--- a/5조_wine.pptx
+++ b/5조_wine.pptx
@@ -214,7 +214,7 @@
           <a:p>
             <a:fld id="{32553325-2763-42B0-921E-B7E76504E806}" type="datetimeFigureOut">
               <a:rPr lang="ko-KR" altLang="en-US" smtClean="0"/>
-              <a:t>2019-11-26</a:t>
+              <a:t>2019-11-27</a:t>
             </a:fld>
             <a:endParaRPr lang="ko-KR" altLang="en-US"/>
           </a:p>
@@ -610,7 +610,7 @@
           <a:p>
             <a:fld id="{96513A16-7131-45BF-8116-B79BDF2EE339}" type="datetimeFigureOut">
               <a:rPr lang="ko-KR" altLang="en-US" smtClean="0"/>
-              <a:t>2019-11-26</a:t>
+              <a:t>2019-11-27</a:t>
             </a:fld>
             <a:endParaRPr lang="ko-KR" altLang="en-US"/>
           </a:p>
@@ -778,7 +778,7 @@
           <a:p>
             <a:fld id="{96513A16-7131-45BF-8116-B79BDF2EE339}" type="datetimeFigureOut">
               <a:rPr lang="ko-KR" altLang="en-US" smtClean="0"/>
-              <a:t>2019-11-26</a:t>
+              <a:t>2019-11-27</a:t>
             </a:fld>
             <a:endParaRPr lang="ko-KR" altLang="en-US"/>
           </a:p>
@@ -956,7 +956,7 @@
           <a:p>
             <a:fld id="{96513A16-7131-45BF-8116-B79BDF2EE339}" type="datetimeFigureOut">
               <a:rPr lang="ko-KR" altLang="en-US" smtClean="0"/>
-              <a:t>2019-11-26</a:t>
+              <a:t>2019-11-27</a:t>
             </a:fld>
             <a:endParaRPr lang="ko-KR" altLang="en-US"/>
           </a:p>
@@ -1124,7 +1124,7 @@
           <a:p>
             <a:fld id="{96513A16-7131-45BF-8116-B79BDF2EE339}" type="datetimeFigureOut">
               <a:rPr lang="ko-KR" altLang="en-US" smtClean="0"/>
-              <a:t>2019-11-26</a:t>
+              <a:t>2019-11-27</a:t>
             </a:fld>
             <a:endParaRPr lang="ko-KR" altLang="en-US"/>
           </a:p>
@@ -1369,7 +1369,7 @@
           <a:p>
             <a:fld id="{96513A16-7131-45BF-8116-B79BDF2EE339}" type="datetimeFigureOut">
               <a:rPr lang="ko-KR" altLang="en-US" smtClean="0"/>
-              <a:t>2019-11-26</a:t>
+              <a:t>2019-11-27</a:t>
             </a:fld>
             <a:endParaRPr lang="ko-KR" altLang="en-US"/>
           </a:p>
@@ -1598,7 +1598,7 @@
           <a:p>
             <a:fld id="{96513A16-7131-45BF-8116-B79BDF2EE339}" type="datetimeFigureOut">
               <a:rPr lang="ko-KR" altLang="en-US" smtClean="0"/>
-              <a:t>2019-11-26</a:t>
+              <a:t>2019-11-27</a:t>
             </a:fld>
             <a:endParaRPr lang="ko-KR" altLang="en-US"/>
           </a:p>
@@ -1962,7 +1962,7 @@
           <a:p>
             <a:fld id="{96513A16-7131-45BF-8116-B79BDF2EE339}" type="datetimeFigureOut">
               <a:rPr lang="ko-KR" altLang="en-US" smtClean="0"/>
-              <a:t>2019-11-26</a:t>
+              <a:t>2019-11-27</a:t>
             </a:fld>
             <a:endParaRPr lang="ko-KR" altLang="en-US"/>
           </a:p>
@@ -2079,7 +2079,7 @@
           <a:p>
             <a:fld id="{96513A16-7131-45BF-8116-B79BDF2EE339}" type="datetimeFigureOut">
               <a:rPr lang="ko-KR" altLang="en-US" smtClean="0"/>
-              <a:t>2019-11-26</a:t>
+              <a:t>2019-11-27</a:t>
             </a:fld>
             <a:endParaRPr lang="ko-KR" altLang="en-US"/>
           </a:p>
@@ -2174,7 +2174,7 @@
           <a:p>
             <a:fld id="{96513A16-7131-45BF-8116-B79BDF2EE339}" type="datetimeFigureOut">
               <a:rPr lang="ko-KR" altLang="en-US" smtClean="0"/>
-              <a:t>2019-11-26</a:t>
+              <a:t>2019-11-27</a:t>
             </a:fld>
             <a:endParaRPr lang="ko-KR" altLang="en-US"/>
           </a:p>
@@ -2449,7 +2449,7 @@
           <a:p>
             <a:fld id="{96513A16-7131-45BF-8116-B79BDF2EE339}" type="datetimeFigureOut">
               <a:rPr lang="ko-KR" altLang="en-US" smtClean="0"/>
-              <a:t>2019-11-26</a:t>
+              <a:t>2019-11-27</a:t>
             </a:fld>
             <a:endParaRPr lang="ko-KR" altLang="en-US"/>
           </a:p>
@@ -2701,7 +2701,7 @@
           <a:p>
             <a:fld id="{96513A16-7131-45BF-8116-B79BDF2EE339}" type="datetimeFigureOut">
               <a:rPr lang="ko-KR" altLang="en-US" smtClean="0"/>
-              <a:t>2019-11-26</a:t>
+              <a:t>2019-11-27</a:t>
             </a:fld>
             <a:endParaRPr lang="ko-KR" altLang="en-US"/>
           </a:p>
@@ -2912,7 +2912,7 @@
           <a:p>
             <a:fld id="{96513A16-7131-45BF-8116-B79BDF2EE339}" type="datetimeFigureOut">
               <a:rPr lang="ko-KR" altLang="en-US" smtClean="0"/>
-              <a:t>2019-11-26</a:t>
+              <a:t>2019-11-27</a:t>
             </a:fld>
             <a:endParaRPr lang="ko-KR" altLang="en-US"/>
           </a:p>
@@ -12735,7 +12735,42 @@
               <a:buFont typeface="Arial" panose="020B0604020202020204" pitchFamily="34" charset="0"/>
               <a:buNone/>
             </a:pPr>
-            <a:endParaRPr lang="en-US" altLang="ko-KR" sz="1800" dirty="0"/>
+            <a:r>
+              <a:rPr lang="en-US" altLang="ko-KR" sz="1800" dirty="0"/>
+              <a:t>2</a:t>
+            </a:r>
+            <a:r>
+              <a:rPr lang="ko-KR" altLang="en-US" sz="1800" dirty="0"/>
+              <a:t>안</a:t>
+            </a:r>
+            <a:r>
+              <a:rPr lang="en-US" altLang="ko-KR" sz="1800" dirty="0"/>
+              <a:t>) </a:t>
+            </a:r>
+            <a:r>
+              <a:rPr lang="ko-KR" altLang="en-US" sz="1800" dirty="0"/>
+              <a:t>와인 </a:t>
+            </a:r>
+            <a:r>
+              <a:rPr lang="en-US" altLang="ko-KR" sz="1800" dirty="0"/>
+              <a:t>taster </a:t>
+            </a:r>
+            <a:r>
+              <a:rPr lang="ko-KR" altLang="en-US" sz="1800" dirty="0"/>
+              <a:t>의 </a:t>
+            </a:r>
+            <a:r>
+              <a:rPr lang="en-US" altLang="ko-KR" sz="1800" dirty="0"/>
+              <a:t>bias </a:t>
+            </a:r>
+            <a:r>
+              <a:rPr lang="ko-KR" altLang="en-US" sz="1800" dirty="0"/>
+              <a:t>된 취향이 있을 것이다</a:t>
+            </a:r>
+            <a:r>
+              <a:rPr lang="en-US" altLang="ko-KR" sz="1800" dirty="0"/>
+              <a:t>.</a:t>
+            </a:r>
           </a:p>
           <a:p>
             <a:pPr marL="0" indent="0">
@@ -12744,11 +12779,11 @@
             </a:pPr>
             <a:r>
               <a:rPr lang="en-US" altLang="ko-KR" sz="1800" dirty="0"/>
-              <a:t>2</a:t>
+              <a:t>       (</a:t>
             </a:r>
             <a:r>
               <a:rPr lang="ko-KR" altLang="en-US" sz="1800" dirty="0"/>
-              <a:t>안</a:t>
+              <a:t>종목 별</a:t>
             </a:r>
             <a:r>
               <a:rPr lang="en-US" altLang="ko-KR" sz="1800" dirty="0"/>
@@ -12756,28 +12791,33 @@
             </a:r>
             <a:r>
               <a:rPr lang="ko-KR" altLang="en-US" sz="1800" dirty="0"/>
-              <a:t>와인 </a:t>
+              <a:t>특정 </a:t>
             </a:r>
             <a:r>
               <a:rPr lang="en-US" altLang="ko-KR" sz="1800" dirty="0"/>
-              <a:t>taster </a:t>
+              <a:t>taster</a:t>
             </a:r>
             <a:r>
               <a:rPr lang="ko-KR" altLang="en-US" sz="1800" dirty="0"/>
-              <a:t>의 </a:t>
+              <a:t>의 평가 </a:t>
             </a:r>
             <a:r>
               <a:rPr lang="en-US" altLang="ko-KR" sz="1800" dirty="0"/>
-              <a:t>bias </a:t>
+              <a:t>– </a:t>
             </a:r>
             <a:r>
               <a:rPr lang="ko-KR" altLang="en-US" sz="1800" dirty="0"/>
-              <a:t>된 취향이 있을 것이다</a:t>
+              <a:t>전체 </a:t>
             </a:r>
             <a:r>
               <a:rPr lang="en-US" altLang="ko-KR" sz="1800" dirty="0"/>
-              <a:t>.</a:t>
-            </a:r>
+              <a:t>taster</a:t>
+            </a:r>
+            <a:r>
+              <a:rPr lang="ko-KR" altLang="en-US" sz="1800"/>
+              <a:t>의 평가</a:t>
+            </a:r>
+            <a:endParaRPr lang="en-US" altLang="ko-KR" sz="1800" dirty="0"/>
           </a:p>
         </p:txBody>
       </p:sp>
@@ -12995,7 +13035,7 @@
         </p:nvSpPr>
         <p:spPr>
           <a:xfrm>
-            <a:off x="8031281" y="3201903"/>
+            <a:off x="8031281" y="3144496"/>
             <a:ext cx="813428" cy="369332"/>
           </a:xfrm>
           <a:prstGeom prst="rect">
